--- a/docs/Dependency_tree.pptx
+++ b/docs/Dependency_tree.pptx
@@ -2974,6 +2974,49 @@
       </p:grpSpPr>
       <p:cxnSp>
         <p:nvCxnSpPr>
+          <p:cNvPr id="149" name="Elbow Connector 148">
+            <a:extLst>
+              <a:ext uri="{FF2B5EF4-FFF2-40B4-BE49-F238E27FC236}">
+                <a16:creationId xmlns:a16="http://schemas.microsoft.com/office/drawing/2014/main" id="{C3BE4582-4317-064D-9EEF-7D9A861F63E2}"/>
+              </a:ext>
+            </a:extLst>
+          </p:cNvPr>
+          <p:cNvCxnSpPr>
+            <a:cxnSpLocks/>
+            <a:stCxn id="15" idx="2"/>
+            <a:endCxn id="17" idx="0"/>
+          </p:cNvCxnSpPr>
+          <p:nvPr/>
+        </p:nvCxnSpPr>
+        <p:spPr>
+          <a:xfrm rot="16200000" flipH="1">
+            <a:off x="9856413" y="9639243"/>
+            <a:ext cx="139462" cy="1939"/>
+          </a:xfrm>
+          <a:prstGeom prst="bentConnector3">
+            <a:avLst>
+              <a:gd name="adj1" fmla="val -8716"/>
+            </a:avLst>
+          </a:prstGeom>
+          <a:ln w="19050"/>
+        </p:spPr>
+        <p:style>
+          <a:lnRef idx="1">
+            <a:schemeClr val="dk1"/>
+          </a:lnRef>
+          <a:fillRef idx="0">
+            <a:schemeClr val="dk1"/>
+          </a:fillRef>
+          <a:effectRef idx="0">
+            <a:schemeClr val="dk1"/>
+          </a:effectRef>
+          <a:fontRef idx="minor">
+            <a:schemeClr val="tx1"/>
+          </a:fontRef>
+        </p:style>
+      </p:cxnSp>
+      <p:cxnSp>
+        <p:nvCxnSpPr>
           <p:cNvPr id="169" name="Elbow Connector 168">
             <a:extLst>
               <a:ext uri="{FF2B5EF4-FFF2-40B4-BE49-F238E27FC236}">
@@ -4367,49 +4410,6 @@
         <p:spPr>
           <a:xfrm rot="5400000">
             <a:off x="9857264" y="9287833"/>
-            <a:ext cx="139462" cy="3639"/>
-          </a:xfrm>
-          <a:prstGeom prst="bentConnector3">
-            <a:avLst>
-              <a:gd name="adj1" fmla="val -8281"/>
-            </a:avLst>
-          </a:prstGeom>
-          <a:ln w="19050"/>
-        </p:spPr>
-        <p:style>
-          <a:lnRef idx="1">
-            <a:schemeClr val="dk1"/>
-          </a:lnRef>
-          <a:fillRef idx="0">
-            <a:schemeClr val="dk1"/>
-          </a:fillRef>
-          <a:effectRef idx="0">
-            <a:schemeClr val="dk1"/>
-          </a:effectRef>
-          <a:fontRef idx="minor">
-            <a:schemeClr val="tx1"/>
-          </a:fontRef>
-        </p:style>
-      </p:cxnSp>
-      <p:cxnSp>
-        <p:nvCxnSpPr>
-          <p:cNvPr id="149" name="Elbow Connector 148">
-            <a:extLst>
-              <a:ext uri="{FF2B5EF4-FFF2-40B4-BE49-F238E27FC236}">
-                <a16:creationId xmlns:a16="http://schemas.microsoft.com/office/drawing/2014/main" id="{C3BE4582-4317-064D-9EEF-7D9A861F63E2}"/>
-              </a:ext>
-            </a:extLst>
-          </p:cNvPr>
-          <p:cNvCxnSpPr>
-            <a:cxnSpLocks/>
-            <a:stCxn id="15" idx="2"/>
-            <a:endCxn id="17" idx="0"/>
-          </p:cNvCxnSpPr>
-          <p:nvPr/>
-        </p:nvCxnSpPr>
-        <p:spPr>
-          <a:xfrm rot="16200000" flipH="1">
-            <a:off x="9857263" y="9638393"/>
             <a:ext cx="139462" cy="3639"/>
           </a:xfrm>
           <a:prstGeom prst="bentConnector3">
@@ -5159,12 +5159,12 @@
         </p:nvCxnSpPr>
         <p:spPr>
           <a:xfrm>
-            <a:off x="8960172" y="9368515"/>
-            <a:ext cx="674213" cy="446979"/>
+            <a:off x="8960172" y="9368509"/>
+            <a:ext cx="646917" cy="446985"/>
           </a:xfrm>
           <a:prstGeom prst="bentConnector3">
             <a:avLst>
-              <a:gd name="adj1" fmla="val 65296"/>
+              <a:gd name="adj1" fmla="val 50000"/>
             </a:avLst>
           </a:prstGeom>
         </p:spPr>
@@ -5573,8 +5573,8 @@
         </p:nvSpPr>
         <p:spPr>
           <a:xfrm>
-            <a:off x="9634385" y="9709944"/>
-            <a:ext cx="588857" cy="211099"/>
+            <a:off x="9607089" y="9709944"/>
+            <a:ext cx="640050" cy="211099"/>
           </a:xfrm>
           <a:prstGeom prst="rect">
             <a:avLst/>

--- a/docs/Dependency_tree.pptx
+++ b/docs/Dependency_tree.pptx
@@ -9128,6 +9128,48 @@
           </a:fontRef>
         </p:style>
       </p:cxnSp>
+      <p:cxnSp>
+        <p:nvCxnSpPr>
+          <p:cNvPr id="132" name="Elbow Connector 131">
+            <a:extLst>
+              <a:ext uri="{FF2B5EF4-FFF2-40B4-BE49-F238E27FC236}">
+                <a16:creationId xmlns:a16="http://schemas.microsoft.com/office/drawing/2014/main" id="{2B634DDF-0FCC-EA4F-8AF9-3BEEBF956018}"/>
+              </a:ext>
+            </a:extLst>
+          </p:cNvPr>
+          <p:cNvCxnSpPr>
+            <a:cxnSpLocks/>
+            <a:stCxn id="29" idx="3"/>
+            <a:endCxn id="153" idx="1"/>
+          </p:cNvCxnSpPr>
+          <p:nvPr/>
+        </p:nvCxnSpPr>
+        <p:spPr>
+          <a:xfrm>
+            <a:off x="10710695" y="10168108"/>
+            <a:ext cx="1726216" cy="3703249"/>
+          </a:xfrm>
+          <a:prstGeom prst="bentConnector3">
+            <a:avLst>
+              <a:gd name="adj1" fmla="val 7101"/>
+            </a:avLst>
+          </a:prstGeom>
+        </p:spPr>
+        <p:style>
+          <a:lnRef idx="1">
+            <a:schemeClr val="dk1"/>
+          </a:lnRef>
+          <a:fillRef idx="0">
+            <a:schemeClr val="dk1"/>
+          </a:fillRef>
+          <a:effectRef idx="0">
+            <a:schemeClr val="dk1"/>
+          </a:effectRef>
+          <a:fontRef idx="minor">
+            <a:schemeClr val="tx1"/>
+          </a:fontRef>
+        </p:style>
+      </p:cxnSp>
     </p:spTree>
     <p:extLst>
       <p:ext uri="{BB962C8B-B14F-4D97-AF65-F5344CB8AC3E}">

--- a/docs/Dependency_tree.pptx
+++ b/docs/Dependency_tree.pptx
@@ -244,7 +244,7 @@
           <a:p>
             <a:fld id="{30019EDB-7347-0A44-A186-85C06CC8ECEB}" type="datetimeFigureOut">
               <a:rPr lang="en-US" smtClean="0"/>
-              <a:t>9/17/20</a:t>
+              <a:t>11/26/20</a:t>
             </a:fld>
             <a:endParaRPr lang="en-US"/>
           </a:p>
@@ -414,7 +414,7 @@
           <a:p>
             <a:fld id="{30019EDB-7347-0A44-A186-85C06CC8ECEB}" type="datetimeFigureOut">
               <a:rPr lang="en-US" smtClean="0"/>
-              <a:t>9/17/20</a:t>
+              <a:t>11/26/20</a:t>
             </a:fld>
             <a:endParaRPr lang="en-US"/>
           </a:p>
@@ -594,7 +594,7 @@
           <a:p>
             <a:fld id="{30019EDB-7347-0A44-A186-85C06CC8ECEB}" type="datetimeFigureOut">
               <a:rPr lang="en-US" smtClean="0"/>
-              <a:t>9/17/20</a:t>
+              <a:t>11/26/20</a:t>
             </a:fld>
             <a:endParaRPr lang="en-US"/>
           </a:p>
@@ -764,7 +764,7 @@
           <a:p>
             <a:fld id="{30019EDB-7347-0A44-A186-85C06CC8ECEB}" type="datetimeFigureOut">
               <a:rPr lang="en-US" smtClean="0"/>
-              <a:t>9/17/20</a:t>
+              <a:t>11/26/20</a:t>
             </a:fld>
             <a:endParaRPr lang="en-US"/>
           </a:p>
@@ -1008,7 +1008,7 @@
           <a:p>
             <a:fld id="{30019EDB-7347-0A44-A186-85C06CC8ECEB}" type="datetimeFigureOut">
               <a:rPr lang="en-US" smtClean="0"/>
-              <a:t>9/17/20</a:t>
+              <a:t>11/26/20</a:t>
             </a:fld>
             <a:endParaRPr lang="en-US"/>
           </a:p>
@@ -1240,7 +1240,7 @@
           <a:p>
             <a:fld id="{30019EDB-7347-0A44-A186-85C06CC8ECEB}" type="datetimeFigureOut">
               <a:rPr lang="en-US" smtClean="0"/>
-              <a:t>9/17/20</a:t>
+              <a:t>11/26/20</a:t>
             </a:fld>
             <a:endParaRPr lang="en-US"/>
           </a:p>
@@ -1607,7 +1607,7 @@
           <a:p>
             <a:fld id="{30019EDB-7347-0A44-A186-85C06CC8ECEB}" type="datetimeFigureOut">
               <a:rPr lang="en-US" smtClean="0"/>
-              <a:t>9/17/20</a:t>
+              <a:t>11/26/20</a:t>
             </a:fld>
             <a:endParaRPr lang="en-US"/>
           </a:p>
@@ -1725,7 +1725,7 @@
           <a:p>
             <a:fld id="{30019EDB-7347-0A44-A186-85C06CC8ECEB}" type="datetimeFigureOut">
               <a:rPr lang="en-US" smtClean="0"/>
-              <a:t>9/17/20</a:t>
+              <a:t>11/26/20</a:t>
             </a:fld>
             <a:endParaRPr lang="en-US"/>
           </a:p>
@@ -1820,7 +1820,7 @@
           <a:p>
             <a:fld id="{30019EDB-7347-0A44-A186-85C06CC8ECEB}" type="datetimeFigureOut">
               <a:rPr lang="en-US" smtClean="0"/>
-              <a:t>9/17/20</a:t>
+              <a:t>11/26/20</a:t>
             </a:fld>
             <a:endParaRPr lang="en-US"/>
           </a:p>
@@ -2097,7 +2097,7 @@
           <a:p>
             <a:fld id="{30019EDB-7347-0A44-A186-85C06CC8ECEB}" type="datetimeFigureOut">
               <a:rPr lang="en-US" smtClean="0"/>
-              <a:t>9/17/20</a:t>
+              <a:t>11/26/20</a:t>
             </a:fld>
             <a:endParaRPr lang="en-US"/>
           </a:p>
@@ -2354,7 +2354,7 @@
           <a:p>
             <a:fld id="{30019EDB-7347-0A44-A186-85C06CC8ECEB}" type="datetimeFigureOut">
               <a:rPr lang="en-US" smtClean="0"/>
-              <a:t>9/17/20</a:t>
+              <a:t>11/26/20</a:t>
             </a:fld>
             <a:endParaRPr lang="en-US"/>
           </a:p>
@@ -2567,7 +2567,7 @@
           <a:p>
             <a:fld id="{30019EDB-7347-0A44-A186-85C06CC8ECEB}" type="datetimeFigureOut">
               <a:rPr lang="en-US" smtClean="0"/>
-              <a:t>9/17/20</a:t>
+              <a:t>11/26/20</a:t>
             </a:fld>
             <a:endParaRPr lang="en-US"/>
           </a:p>
@@ -9214,7 +9214,7 @@
         </p:nvSpPr>
         <p:spPr>
           <a:xfrm>
-            <a:off x="9365547" y="16269497"/>
+            <a:off x="9252558" y="14928260"/>
             <a:ext cx="4705314" cy="2554335"/>
           </a:xfrm>
           <a:prstGeom prst="roundRect">
@@ -9263,8 +9263,8 @@
         </p:nvSpPr>
         <p:spPr>
           <a:xfrm>
-            <a:off x="9479589" y="5657500"/>
-            <a:ext cx="5696383" cy="10426146"/>
+            <a:off x="9479589" y="5457502"/>
+            <a:ext cx="5696383" cy="9142418"/>
           </a:xfrm>
           <a:prstGeom prst="roundRect">
             <a:avLst/>
@@ -9505,8 +9505,8 @@
         </p:nvCxnSpPr>
         <p:spPr>
           <a:xfrm rot="10800000" flipV="1">
-            <a:off x="8257665" y="10870572"/>
-            <a:ext cx="1221925" cy="790501"/>
+            <a:off x="8257665" y="10028710"/>
+            <a:ext cx="1221925" cy="1632363"/>
           </a:xfrm>
           <a:prstGeom prst="bentConnector3">
             <a:avLst/>
@@ -9545,8 +9545,8 @@
         </p:nvCxnSpPr>
         <p:spPr>
           <a:xfrm rot="10800000">
-            <a:off x="8257665" y="12100349"/>
-            <a:ext cx="1107883" cy="5446317"/>
+            <a:off x="8257664" y="12100348"/>
+            <a:ext cx="994894" cy="4105080"/>
           </a:xfrm>
           <a:prstGeom prst="bentConnector3">
             <a:avLst>
@@ -9632,7 +9632,7 @@
         </p:nvSpPr>
         <p:spPr>
           <a:xfrm>
-            <a:off x="9707407" y="9118514"/>
+            <a:off x="9707407" y="9148994"/>
             <a:ext cx="1634117" cy="384009"/>
           </a:xfrm>
           <a:prstGeom prst="roundRect">
@@ -10069,12 +10069,12 @@
         </p:nvCxnSpPr>
         <p:spPr>
           <a:xfrm rot="10800000" flipV="1">
-            <a:off x="11341523" y="7207070"/>
-            <a:ext cx="7557605" cy="2501519"/>
+            <a:off x="11341522" y="7207070"/>
+            <a:ext cx="7557605" cy="2562479"/>
           </a:xfrm>
           <a:prstGeom prst="bentConnector3">
             <a:avLst>
-              <a:gd name="adj1" fmla="val 52126"/>
+              <a:gd name="adj1" fmla="val 50000"/>
             </a:avLst>
           </a:prstGeom>
         </p:spPr>
@@ -10107,7 +10107,7 @@
         </p:nvSpPr>
         <p:spPr>
           <a:xfrm>
-            <a:off x="9707405" y="9521804"/>
+            <a:off x="9707405" y="9582764"/>
             <a:ext cx="1634116" cy="373571"/>
           </a:xfrm>
           <a:prstGeom prst="roundRect">
@@ -10160,8 +10160,8 @@
         </p:nvCxnSpPr>
         <p:spPr>
           <a:xfrm rot="10800000" flipV="1">
-            <a:off x="13730842" y="7207071"/>
-            <a:ext cx="5168285" cy="10763002"/>
+            <a:off x="13618764" y="7207070"/>
+            <a:ext cx="5280362" cy="9452615"/>
           </a:xfrm>
           <a:prstGeom prst="bentConnector3">
             <a:avLst>
@@ -10198,7 +10198,7 @@
         </p:nvSpPr>
         <p:spPr>
           <a:xfrm>
-            <a:off x="9646726" y="17783287"/>
+            <a:off x="9534649" y="16472900"/>
             <a:ext cx="4084115" cy="373571"/>
           </a:xfrm>
           <a:prstGeom prst="roundRect">
@@ -10249,7 +10249,7 @@
         </p:nvSpPr>
         <p:spPr>
           <a:xfrm>
-            <a:off x="9676151" y="16529581"/>
+            <a:off x="9563157" y="15225953"/>
             <a:ext cx="4084115" cy="2242512"/>
           </a:xfrm>
           <a:prstGeom prst="rect">
@@ -10495,8 +10495,8 @@
         </p:nvSpPr>
         <p:spPr>
           <a:xfrm>
-            <a:off x="9719835" y="10074664"/>
-            <a:ext cx="5229717" cy="5666023"/>
+            <a:off x="9719835" y="10166105"/>
+            <a:ext cx="5229717" cy="3852454"/>
           </a:xfrm>
           <a:prstGeom prst="roundRect">
             <a:avLst>
@@ -10548,8 +10548,8 @@
         </p:nvSpPr>
         <p:spPr>
           <a:xfrm>
-            <a:off x="9911793" y="5999202"/>
-            <a:ext cx="5037759" cy="9741484"/>
+            <a:off x="9911793" y="5785842"/>
+            <a:ext cx="5037759" cy="8082558"/>
           </a:xfrm>
           <a:prstGeom prst="rect">
             <a:avLst/>
@@ -10557,7 +10557,7 @@
         </p:spPr>
         <p:txBody>
           <a:bodyPr vert="horz" lIns="91440" tIns="45720" rIns="91440" bIns="45720" rtlCol="0">
-            <a:normAutofit lnSpcReduction="10000"/>
+            <a:normAutofit/>
           </a:bodyPr>
           <a:lstStyle>
             <a:lvl1pPr marL="324018" indent="-324018" algn="l" defTabSz="1296071" rtl="0" eaLnBrk="1" latinLnBrk="0" hangingPunct="1">
@@ -10832,8 +10832,8 @@
               <a:buNone/>
             </a:pPr>
             <a:r>
-              <a:rPr lang="en-US" sz="1800" b="1" dirty="0"/>
-              <a:t>If 20 exposures possible:</a:t>
+              <a:rPr lang="en-US" sz="1800" dirty="0"/>
+              <a:t>Number of exposures possible</a:t>
             </a:r>
           </a:p>
           <a:p>
@@ -10842,7 +10842,7 @@
             </a:pPr>
             <a:r>
               <a:rPr lang="en-US" sz="1800" dirty="0"/>
-              <a:t>Number of exposures possible</a:t>
+              <a:t>Time necessary to reach 20 exposures [s]</a:t>
             </a:r>
           </a:p>
           <a:p>
@@ -10851,7 +10851,7 @@
             </a:pPr>
             <a:r>
               <a:rPr lang="en-US" sz="1800" dirty="0"/>
-              <a:t>Time necessary to reach 20 exposures [s]</a:t>
+              <a:t>S/N overall median</a:t>
             </a:r>
           </a:p>
           <a:p>
@@ -10860,7 +10860,7 @@
             </a:pPr>
             <a:r>
               <a:rPr lang="en-US" sz="1800" dirty="0"/>
-              <a:t>S/N overall median</a:t>
+              <a:t>Minimum S/N</a:t>
             </a:r>
           </a:p>
           <a:p>
@@ -10869,7 +10869,7 @@
             </a:pPr>
             <a:r>
               <a:rPr lang="en-US" sz="1800" dirty="0"/>
-              <a:t>Minimum S/N</a:t>
+              <a:t>Maximum S/N</a:t>
             </a:r>
           </a:p>
           <a:p>
@@ -10878,7 +10878,7 @@
             </a:pPr>
             <a:r>
               <a:rPr lang="en-US" sz="1800" dirty="0"/>
-              <a:t>Maximum S/N</a:t>
+              <a:t>Minimum Exposure Time</a:t>
             </a:r>
           </a:p>
           <a:p>
@@ -10887,7 +10887,7 @@
             </a:pPr>
             <a:r>
               <a:rPr lang="en-US" sz="1800" dirty="0"/>
-              <a:t>Minimum Exposure Time</a:t>
+              <a:t>Maximum Exposure Time</a:t>
             </a:r>
           </a:p>
           <a:p>
@@ -10896,52 +10896,7 @@
             </a:pPr>
             <a:r>
               <a:rPr lang="en-US" sz="1800" dirty="0"/>
-              <a:t>Maximum Exposure Time</a:t>
-            </a:r>
-          </a:p>
-          <a:p>
-            <a:pPr marL="0" indent="0">
-              <a:buNone/>
-            </a:pPr>
-            <a:r>
-              <a:rPr lang="en-US" sz="1800" dirty="0"/>
               <a:t>List of Exposure Times</a:t>
-            </a:r>
-          </a:p>
-          <a:p>
-            <a:pPr marL="0" indent="0">
-              <a:buNone/>
-            </a:pPr>
-            <a:r>
-              <a:rPr lang="en-US" sz="1800" b="1" dirty="0"/>
-              <a:t>else:</a:t>
-            </a:r>
-          </a:p>
-          <a:p>
-            <a:pPr marL="0" indent="0">
-              <a:buNone/>
-            </a:pPr>
-            <a:r>
-              <a:rPr lang="en-US" sz="1800" dirty="0"/>
-              <a:t>N. of exp. poss./comment</a:t>
-            </a:r>
-          </a:p>
-          <a:p>
-            <a:pPr marL="0" indent="0">
-              <a:buNone/>
-            </a:pPr>
-            <a:r>
-              <a:rPr lang="en-US" sz="1800" dirty="0"/>
-              <a:t>Estimated number of exposures/number of exposures possible</a:t>
-            </a:r>
-          </a:p>
-          <a:p>
-            <a:pPr marL="0" indent="0">
-              <a:buNone/>
-            </a:pPr>
-            <a:r>
-              <a:rPr lang="en-US" sz="1800" dirty="0"/>
-              <a:t>Maximum Exposure Time</a:t>
             </a:r>
           </a:p>
           <a:p>
